--- a/Data Structures/Queues.pptx
+++ b/Data Structures/Queues.pptx
@@ -12,8 +12,8 @@
   </p:handoutMasterIdLst>
   <p:sldIdLst>
     <p:sldId id="257" r:id="rId2"/>
-    <p:sldId id="259" r:id="rId3"/>
-    <p:sldId id="260" r:id="rId4"/>
+    <p:sldId id="258" r:id="rId3"/>
+    <p:sldId id="259" r:id="rId4"/>
   </p:sldIdLst>
   <p:sldSz cx="12192000" cy="6858000"/>
   <p:notesSz cx="6858000" cy="9144000"/>
@@ -206,7 +206,7 @@
           <a:p>
             <a:fld id="{0BDBD1D9-3FDD-4C60-943B-7DAF7F36BBC8}" type="datetimeFigureOut">
               <a:rPr lang="en-US" smtClean="0"/>
-              <a:t>4/15/2023</a:t>
+              <a:t>4/19/2023</a:t>
             </a:fld>
             <a:endParaRPr lang="en-US"/>
           </a:p>
@@ -376,7 +376,7 @@
           <a:p>
             <a:fld id="{9D616595-FEC1-48C1-9F92-C9F2B53F8F7E}" type="datetimeFigureOut">
               <a:rPr lang="en-US" smtClean="0"/>
-              <a:t>4/15/2023</a:t>
+              <a:t>4/19/2023</a:t>
             </a:fld>
             <a:endParaRPr lang="en-US"/>
           </a:p>
@@ -776,7 +776,7 @@
           <a:p>
             <a:fld id="{B6B7FAE0-0E2F-46B3-8201-91E6E9B9B009}" type="datetime1">
               <a:rPr lang="en-US" smtClean="0"/>
-              <a:t>4/15/2023</a:t>
+              <a:t>4/19/2023</a:t>
             </a:fld>
             <a:endParaRPr lang="en-US"/>
           </a:p>
@@ -950,7 +950,7 @@
           <a:p>
             <a:fld id="{B5E1F229-E5A2-4C35-8F60-41C0B4B8982D}" type="datetime1">
               <a:rPr lang="en-US" smtClean="0"/>
-              <a:t>4/15/2023</a:t>
+              <a:t>4/19/2023</a:t>
             </a:fld>
             <a:endParaRPr lang="en-US"/>
           </a:p>
@@ -1134,7 +1134,7 @@
           <a:p>
             <a:fld id="{AEC696E9-F878-4549-9CE6-89505440F0C4}" type="datetime1">
               <a:rPr lang="en-US" smtClean="0"/>
-              <a:t>4/15/2023</a:t>
+              <a:t>4/19/2023</a:t>
             </a:fld>
             <a:endParaRPr lang="en-US"/>
           </a:p>
@@ -1308,7 +1308,7 @@
           <a:p>
             <a:fld id="{65B9B7B7-040C-48DF-90E7-24B60089BDA7}" type="datetime1">
               <a:rPr lang="en-US" smtClean="0"/>
-              <a:t>4/15/2023</a:t>
+              <a:t>4/19/2023</a:t>
             </a:fld>
             <a:endParaRPr lang="en-US"/>
           </a:p>
@@ -1558,7 +1558,7 @@
           <a:p>
             <a:fld id="{22EC016E-244F-4B07-B4BC-314D748F5853}" type="datetime1">
               <a:rPr lang="en-US" smtClean="0"/>
-              <a:t>4/15/2023</a:t>
+              <a:t>4/19/2023</a:t>
             </a:fld>
             <a:endParaRPr lang="en-US"/>
           </a:p>
@@ -1794,7 +1794,7 @@
           <a:p>
             <a:fld id="{A892E0EA-252A-45D6-B969-59F7EDC4D784}" type="datetime1">
               <a:rPr lang="en-US" smtClean="0"/>
-              <a:t>4/15/2023</a:t>
+              <a:t>4/19/2023</a:t>
             </a:fld>
             <a:endParaRPr lang="en-US"/>
           </a:p>
@@ -2165,7 +2165,7 @@
           <a:p>
             <a:fld id="{659E6B5E-4CF8-4009-96C5-9AF730EBDE63}" type="datetime1">
               <a:rPr lang="en-US" smtClean="0"/>
-              <a:t>4/15/2023</a:t>
+              <a:t>4/19/2023</a:t>
             </a:fld>
             <a:endParaRPr lang="en-US"/>
           </a:p>
@@ -2287,7 +2287,7 @@
           <a:p>
             <a:fld id="{D27109C5-2C47-46B2-9DFB-E1CFDD15C7EF}" type="datetime1">
               <a:rPr lang="en-US" smtClean="0"/>
-              <a:t>4/15/2023</a:t>
+              <a:t>4/19/2023</a:t>
             </a:fld>
             <a:endParaRPr lang="en-US"/>
           </a:p>
@@ -2386,7 +2386,7 @@
           <a:p>
             <a:fld id="{86D6E499-D4FC-4A15-8D3C-923D81848AAD}" type="datetime1">
               <a:rPr lang="en-US" smtClean="0"/>
-              <a:t>4/15/2023</a:t>
+              <a:t>4/19/2023</a:t>
             </a:fld>
             <a:endParaRPr lang="en-US"/>
           </a:p>
@@ -2667,7 +2667,7 @@
           <a:p>
             <a:fld id="{FC71C662-0A09-434E-AAE5-5159A3DAB153}" type="datetime1">
               <a:rPr lang="en-US" smtClean="0"/>
-              <a:t>4/15/2023</a:t>
+              <a:t>4/19/2023</a:t>
             </a:fld>
             <a:endParaRPr lang="en-US"/>
           </a:p>
@@ -2924,7 +2924,7 @@
           <a:p>
             <a:fld id="{96E1C0E6-B513-446F-AAA1-CA5A4B0FD833}" type="datetime1">
               <a:rPr lang="en-US" smtClean="0"/>
-              <a:t>4/15/2023</a:t>
+              <a:t>4/19/2023</a:t>
             </a:fld>
             <a:endParaRPr lang="en-US"/>
           </a:p>
@@ -3141,7 +3141,7 @@
           <a:p>
             <a:fld id="{EEB9B53E-3028-47A0-AB40-E02EC842F787}" type="datetime1">
               <a:rPr lang="en-US" smtClean="0"/>
-              <a:t>4/15/2023</a:t>
+              <a:t>4/19/2023</a:t>
             </a:fld>
             <a:endParaRPr lang="en-US"/>
           </a:p>
@@ -3553,25 +3553,6 @@
       </p:grpSpPr>
       <p:sp>
         <p:nvSpPr>
-          <p:cNvPr id="8" name="Title 7"/>
-          <p:cNvSpPr>
-            <a:spLocks noGrp="1"/>
-          </p:cNvSpPr>
-          <p:nvPr>
-            <p:ph type="title"/>
-          </p:nvPr>
-        </p:nvSpPr>
-        <p:spPr/>
-        <p:txBody>
-          <a:bodyPr/>
-          <a:lstStyle/>
-          <a:p>
-            <a:endParaRPr lang="en-US"/>
-          </a:p>
-        </p:txBody>
-      </p:sp>
-      <p:sp>
-        <p:nvSpPr>
           <p:cNvPr id="9" name="Content Placeholder 8"/>
           <p:cNvSpPr>
             <a:spLocks noGrp="1"/>
@@ -3580,10 +3561,116 @@
             <p:ph idx="1"/>
           </p:nvPr>
         </p:nvSpPr>
-        <p:spPr/>
-        <p:txBody>
-          <a:bodyPr/>
-          <a:lstStyle/>
+        <p:spPr>
+          <a:xfrm>
+            <a:off x="838200" y="595423"/>
+            <a:ext cx="10515600" cy="5581540"/>
+          </a:xfrm>
+        </p:spPr>
+        <p:txBody>
+          <a:bodyPr>
+            <a:normAutofit lnSpcReduction="10000"/>
+          </a:bodyPr>
+          <a:lstStyle/>
+          <a:p>
+            <a:r>
+              <a:rPr lang="en-US" dirty="0" smtClean="0"/>
+              <a:t>The queue data structure is a sequential collection of elements that follows the principle of first in first out(FIFO)</a:t>
+            </a:r>
+          </a:p>
+          <a:p>
+            <a:r>
+              <a:rPr lang="en-US" dirty="0" smtClean="0"/>
+              <a:t>The first element into the queue is the first element to be removed.</a:t>
+            </a:r>
+          </a:p>
+          <a:p>
+            <a:r>
+              <a:rPr lang="en-US" dirty="0" smtClean="0"/>
+              <a:t>A queue of people. People enter the queue </a:t>
+            </a:r>
+            <a:r>
+              <a:rPr lang="en-US" dirty="0" smtClean="0"/>
+              <a:t>at one end(rear/tail) and leave the queue from the other end ( front/end).</a:t>
+            </a:r>
+          </a:p>
+          <a:p>
+            <a:r>
+              <a:rPr lang="en-US" dirty="0" smtClean="0"/>
+              <a:t>Queue is an abstract data type. It is defined by the its behaviors rather tan being a mathematical model.</a:t>
+            </a:r>
+          </a:p>
+          <a:p>
+            <a:r>
+              <a:rPr lang="en-US" dirty="0" smtClean="0"/>
+              <a:t>The Queue data structure supports two main operations</a:t>
+            </a:r>
+          </a:p>
+          <a:p>
+            <a:r>
+              <a:rPr lang="en-US" dirty="0" err="1" smtClean="0"/>
+              <a:t>Enqueue</a:t>
+            </a:r>
+            <a:r>
+              <a:rPr lang="en-US" dirty="0" smtClean="0"/>
+              <a:t>, </a:t>
+            </a:r>
+            <a:r>
+              <a:rPr lang="en-US" dirty="0" smtClean="0"/>
+              <a:t>which adds an element to the rear/tail of the collection</a:t>
+            </a:r>
+          </a:p>
+          <a:p>
+            <a:r>
+              <a:rPr lang="en-US" dirty="0" err="1" smtClean="0"/>
+              <a:t>Dequeue</a:t>
+            </a:r>
+            <a:r>
+              <a:rPr lang="en-US" dirty="0"/>
+              <a:t>, which </a:t>
+            </a:r>
+            <a:r>
+              <a:rPr lang="en-US" dirty="0" smtClean="0"/>
+              <a:t>removes </a:t>
+            </a:r>
+            <a:r>
+              <a:rPr lang="en-US" dirty="0"/>
+              <a:t>an element </a:t>
+            </a:r>
+            <a:r>
+              <a:rPr lang="en-US" dirty="0" smtClean="0"/>
+              <a:t>from </a:t>
+            </a:r>
+            <a:r>
+              <a:rPr lang="en-US" dirty="0"/>
+              <a:t>the </a:t>
+            </a:r>
+            <a:r>
+              <a:rPr lang="en-US" dirty="0" smtClean="0"/>
+              <a:t>front/end </a:t>
+            </a:r>
+            <a:r>
+              <a:rPr lang="en-US" dirty="0"/>
+              <a:t>of the </a:t>
+            </a:r>
+            <a:r>
+              <a:rPr lang="en-US" dirty="0" smtClean="0"/>
+              <a:t>collection</a:t>
+            </a:r>
+          </a:p>
+          <a:p>
+            <a:r>
+              <a:rPr lang="en-US" dirty="0" smtClean="0"/>
+              <a:t>The queue usage</a:t>
+            </a:r>
+          </a:p>
+          <a:p>
+            <a:r>
+              <a:rPr lang="en-US" dirty="0" smtClean="0"/>
+              <a:t>Printer, CPU task scheduling, callback in JavaScript runtime</a:t>
+            </a:r>
+            <a:endParaRPr lang="en-US" dirty="0"/>
+          </a:p>
           <a:p>
             <a:endParaRPr lang="en-US" dirty="0"/>
           </a:p>
@@ -3610,7 +3697,7 @@
                   <a:schemeClr val="tx1"/>
                 </a:solidFill>
               </a:rPr>
-              <a:t>Arrays</a:t>
+              <a:t>Queues</a:t>
             </a:r>
             <a:endParaRPr lang="en-US" b="1" dirty="0">
               <a:solidFill>
@@ -3650,14 +3737,40 @@
           <a:chExt cx="0" cy="0"/>
         </a:xfrm>
       </p:grpSpPr>
-      <p:sp>
-        <p:nvSpPr>
-          <p:cNvPr id="2" name="Title 1"/>
-          <p:cNvSpPr>
-            <a:spLocks noGrp="1"/>
-          </p:cNvSpPr>
-          <p:nvPr>
-            <p:ph type="title"/>
+      <p:pic>
+        <p:nvPicPr>
+          <p:cNvPr id="3" name="Content Placeholder 2"/>
+          <p:cNvPicPr>
+            <a:picLocks noGrp="1" noChangeAspect="1"/>
+          </p:cNvPicPr>
+          <p:nvPr>
+            <p:ph idx="1"/>
+          </p:nvPr>
+        </p:nvPicPr>
+        <p:blipFill>
+          <a:blip r:embed="rId2"/>
+          <a:stretch>
+            <a:fillRect/>
+          </a:stretch>
+        </p:blipFill>
+        <p:spPr>
+          <a:xfrm>
+            <a:off x="6211296" y="3455729"/>
+            <a:ext cx="5590844" cy="2900621"/>
+          </a:xfrm>
+          <a:prstGeom prst="rect">
+            <a:avLst/>
+          </a:prstGeom>
+        </p:spPr>
+      </p:pic>
+      <p:sp>
+        <p:nvSpPr>
+          <p:cNvPr id="5" name="Footer Placeholder 4"/>
+          <p:cNvSpPr>
+            <a:spLocks noGrp="1"/>
+          </p:cNvSpPr>
+          <p:nvPr>
+            <p:ph type="ftr" sz="quarter" idx="11"/>
           </p:nvPr>
         </p:nvSpPr>
         <p:spPr/>
@@ -3665,56 +3778,187 @@
           <a:bodyPr/>
           <a:lstStyle/>
           <a:p>
-            <a:endParaRPr lang="en-US"/>
-          </a:p>
-        </p:txBody>
-      </p:sp>
-      <p:sp>
-        <p:nvSpPr>
-          <p:cNvPr id="3" name="Content Placeholder 2"/>
-          <p:cNvSpPr>
-            <a:spLocks noGrp="1"/>
-          </p:cNvSpPr>
-          <p:nvPr>
-            <p:ph idx="1"/>
-          </p:nvPr>
-        </p:nvSpPr>
-        <p:spPr/>
-        <p:txBody>
-          <a:bodyPr/>
-          <a:lstStyle/>
-          <a:p>
-            <a:endParaRPr lang="en-US"/>
-          </a:p>
-        </p:txBody>
-      </p:sp>
-      <p:sp>
-        <p:nvSpPr>
-          <p:cNvPr id="4" name="Footer Placeholder 3"/>
-          <p:cNvSpPr>
-            <a:spLocks noGrp="1"/>
-          </p:cNvSpPr>
-          <p:nvPr>
-            <p:ph type="ftr" sz="quarter" idx="11"/>
-          </p:nvPr>
-        </p:nvSpPr>
-        <p:spPr/>
-        <p:txBody>
-          <a:bodyPr/>
-          <a:lstStyle/>
-          <a:p>
-            <a:r>
-              <a:rPr lang="en-US" smtClean="0"/>
-              <a:t>Data Structures</a:t>
-            </a:r>
-            <a:endParaRPr lang="en-US"/>
+            <a:r>
+              <a:rPr lang="en-US" b="1" dirty="0" smtClean="0">
+                <a:solidFill>
+                  <a:schemeClr val="tx1"/>
+                </a:solidFill>
+              </a:rPr>
+              <a:t>Queues</a:t>
+            </a:r>
+            <a:endParaRPr lang="en-US" b="1" dirty="0">
+              <a:solidFill>
+                <a:schemeClr val="tx1"/>
+              </a:solidFill>
+            </a:endParaRPr>
+          </a:p>
+        </p:txBody>
+      </p:sp>
+      <p:pic>
+        <p:nvPicPr>
+          <p:cNvPr id="2" name="Picture 1"/>
+          <p:cNvPicPr>
+            <a:picLocks noChangeAspect="1"/>
+          </p:cNvPicPr>
+          <p:nvPr/>
+        </p:nvPicPr>
+        <p:blipFill>
+          <a:blip r:embed="rId3"/>
+          <a:stretch>
+            <a:fillRect/>
+          </a:stretch>
+        </p:blipFill>
+        <p:spPr>
+          <a:xfrm>
+            <a:off x="543369" y="3404117"/>
+            <a:ext cx="5453394" cy="2952233"/>
+          </a:xfrm>
+          <a:prstGeom prst="rect">
+            <a:avLst/>
+          </a:prstGeom>
+        </p:spPr>
+      </p:pic>
+      <p:sp>
+        <p:nvSpPr>
+          <p:cNvPr id="4" name="Rectangle 3"/>
+          <p:cNvSpPr/>
+          <p:nvPr/>
+        </p:nvSpPr>
+        <p:spPr>
+          <a:xfrm>
+            <a:off x="990599" y="499477"/>
+            <a:ext cx="8089606" cy="2031325"/>
+          </a:xfrm>
+          <a:prstGeom prst="rect">
+            <a:avLst/>
+          </a:prstGeom>
+        </p:spPr>
+        <p:txBody>
+          <a:bodyPr wrap="square">
+            <a:spAutoFit/>
+          </a:bodyPr>
+          <a:lstStyle/>
+          <a:p>
+            <a:r>
+              <a:rPr lang="en-US" dirty="0" smtClean="0"/>
+              <a:t>Queue Implementation</a:t>
+            </a:r>
+            <a:endParaRPr lang="en-US" dirty="0"/>
+          </a:p>
+          <a:p>
+            <a:r>
+              <a:rPr lang="en-US" dirty="0" err="1" smtClean="0"/>
+              <a:t>Enqueue</a:t>
+            </a:r>
+            <a:r>
+              <a:rPr lang="en-US" dirty="0" smtClean="0"/>
+              <a:t> (element</a:t>
+            </a:r>
+            <a:r>
+              <a:rPr lang="en-US" dirty="0"/>
+              <a:t>) =- add an element to the </a:t>
+            </a:r>
+            <a:r>
+              <a:rPr lang="en-US" dirty="0" smtClean="0"/>
+              <a:t>queue</a:t>
+            </a:r>
+            <a:endParaRPr lang="en-US" dirty="0"/>
+          </a:p>
+          <a:p>
+            <a:r>
+              <a:rPr lang="en-US" dirty="0" err="1" smtClean="0"/>
+              <a:t>Dequeue</a:t>
+            </a:r>
+            <a:r>
+              <a:rPr lang="en-US" dirty="0" smtClean="0"/>
+              <a:t> () </a:t>
+            </a:r>
+            <a:r>
+              <a:rPr lang="en-US" dirty="0"/>
+              <a:t>– remove the </a:t>
+            </a:r>
+            <a:r>
+              <a:rPr lang="en-US" dirty="0" smtClean="0"/>
+              <a:t>oldest </a:t>
+            </a:r>
+            <a:r>
+              <a:rPr lang="en-US" dirty="0"/>
+              <a:t>element from the </a:t>
+            </a:r>
+            <a:r>
+              <a:rPr lang="en-US" dirty="0" smtClean="0"/>
+              <a:t>queue</a:t>
+            </a:r>
+            <a:endParaRPr lang="en-US" dirty="0"/>
+          </a:p>
+          <a:p>
+            <a:r>
+              <a:rPr lang="en-US" dirty="0"/>
+              <a:t>Peek()- get  the value of the </a:t>
+            </a:r>
+            <a:r>
+              <a:rPr lang="en-US" dirty="0" smtClean="0"/>
+              <a:t>element  at the front of the </a:t>
+            </a:r>
+            <a:r>
+              <a:rPr lang="en-US" dirty="0" err="1" smtClean="0"/>
+              <a:t>quque</a:t>
+            </a:r>
+            <a:r>
+              <a:rPr lang="en-US" dirty="0" smtClean="0"/>
+              <a:t> without </a:t>
+            </a:r>
+            <a:r>
+              <a:rPr lang="en-US" dirty="0"/>
+              <a:t>removing it</a:t>
+            </a:r>
+          </a:p>
+          <a:p>
+            <a:r>
+              <a:rPr lang="en-US" dirty="0" err="1"/>
+              <a:t>isEmpty</a:t>
+            </a:r>
+            <a:r>
+              <a:rPr lang="en-US" dirty="0"/>
+              <a:t>() -  check if the </a:t>
+            </a:r>
+            <a:r>
+              <a:rPr lang="en-US" dirty="0" smtClean="0"/>
+              <a:t>queue </a:t>
+            </a:r>
+            <a:r>
+              <a:rPr lang="en-US" dirty="0"/>
+              <a:t>is empty</a:t>
+            </a:r>
+          </a:p>
+          <a:p>
+            <a:r>
+              <a:rPr lang="en-US" dirty="0"/>
+              <a:t>Size() – get the number of elements in the </a:t>
+            </a:r>
+            <a:r>
+              <a:rPr lang="en-US" dirty="0" smtClean="0"/>
+              <a:t>queue</a:t>
+            </a:r>
+            <a:endParaRPr lang="en-US" dirty="0"/>
+          </a:p>
+          <a:p>
+            <a:r>
+              <a:rPr lang="en-US" dirty="0"/>
+              <a:t>Print() – visualize the elements in the </a:t>
+            </a:r>
+            <a:r>
+              <a:rPr lang="en-US" dirty="0" smtClean="0"/>
+              <a:t>queue</a:t>
+            </a:r>
+            <a:endParaRPr lang="en-US" dirty="0"/>
           </a:p>
         </p:txBody>
       </p:sp>
     </p:spTree>
     <p:extLst>
       <p:ext uri="{BB962C8B-B14F-4D97-AF65-F5344CB8AC3E}">
-        <p14:creationId xmlns:p14="http://schemas.microsoft.com/office/powerpoint/2010/main" val="2899019480"/>
+        <p14:creationId xmlns:p14="http://schemas.microsoft.com/office/powerpoint/2010/main" val="2213948293"/>
       </p:ext>
     </p:extLst>
   </p:cSld>
@@ -3743,7 +3987,7 @@
       </p:grpSpPr>
       <p:sp>
         <p:nvSpPr>
-          <p:cNvPr id="2" name="Title 1"/>
+          <p:cNvPr id="8" name="Title 7"/>
           <p:cNvSpPr>
             <a:spLocks noGrp="1"/>
           </p:cNvSpPr>
@@ -3762,7 +4006,7 @@
       </p:sp>
       <p:sp>
         <p:nvSpPr>
-          <p:cNvPr id="3" name="Content Placeholder 2"/>
+          <p:cNvPr id="9" name="Content Placeholder 8"/>
           <p:cNvSpPr>
             <a:spLocks noGrp="1"/>
           </p:cNvSpPr>
@@ -3775,13 +4019,13 @@
           <a:bodyPr/>
           <a:lstStyle/>
           <a:p>
-            <a:endParaRPr lang="en-US"/>
-          </a:p>
-        </p:txBody>
-      </p:sp>
-      <p:sp>
-        <p:nvSpPr>
-          <p:cNvPr id="4" name="Footer Placeholder 3"/>
+            <a:endParaRPr lang="en-US" dirty="0"/>
+          </a:p>
+        </p:txBody>
+      </p:sp>
+      <p:sp>
+        <p:nvSpPr>
+          <p:cNvPr id="5" name="Footer Placeholder 4"/>
           <p:cNvSpPr>
             <a:spLocks noGrp="1"/>
           </p:cNvSpPr>
@@ -3795,17 +4039,25 @@
           <a:lstStyle/>
           <a:p>
             <a:r>
-              <a:rPr lang="en-US" smtClean="0"/>
-              <a:t>Data Structures</a:t>
-            </a:r>
-            <a:endParaRPr lang="en-US"/>
+              <a:rPr lang="en-US" b="1" dirty="0" smtClean="0">
+                <a:solidFill>
+                  <a:schemeClr val="tx1"/>
+                </a:solidFill>
+              </a:rPr>
+              <a:t>Queues</a:t>
+            </a:r>
+            <a:endParaRPr lang="en-US" b="1" dirty="0">
+              <a:solidFill>
+                <a:schemeClr val="tx1"/>
+              </a:solidFill>
+            </a:endParaRPr>
           </a:p>
         </p:txBody>
       </p:sp>
     </p:spTree>
     <p:extLst>
       <p:ext uri="{BB962C8B-B14F-4D97-AF65-F5344CB8AC3E}">
-        <p14:creationId xmlns:p14="http://schemas.microsoft.com/office/powerpoint/2010/main" val="1948746016"/>
+        <p14:creationId xmlns:p14="http://schemas.microsoft.com/office/powerpoint/2010/main" val="3251073817"/>
       </p:ext>
     </p:extLst>
   </p:cSld>

--- a/Data Structures/Queues.pptx
+++ b/Data Structures/Queues.pptx
@@ -5,15 +5,16 @@
     <p:sldMasterId id="2147483648" r:id="rId1"/>
   </p:sldMasterIdLst>
   <p:notesMasterIdLst>
-    <p:notesMasterId r:id="rId5"/>
+    <p:notesMasterId r:id="rId6"/>
   </p:notesMasterIdLst>
   <p:handoutMasterIdLst>
-    <p:handoutMasterId r:id="rId6"/>
+    <p:handoutMasterId r:id="rId7"/>
   </p:handoutMasterIdLst>
   <p:sldIdLst>
     <p:sldId id="257" r:id="rId2"/>
     <p:sldId id="258" r:id="rId3"/>
     <p:sldId id="259" r:id="rId4"/>
+    <p:sldId id="260" r:id="rId5"/>
   </p:sldIdLst>
   <p:sldSz cx="12192000" cy="6858000"/>
   <p:notesSz cx="6858000" cy="9144000"/>
@@ -3587,11 +3588,7 @@
           <a:p>
             <a:r>
               <a:rPr lang="en-US" dirty="0" smtClean="0"/>
-              <a:t>A queue of people. People enter the queue </a:t>
-            </a:r>
-            <a:r>
-              <a:rPr lang="en-US" dirty="0" smtClean="0"/>
-              <a:t>at one end(rear/tail) and leave the queue from the other end ( front/end).</a:t>
+              <a:t>A queue of people. People enter the queue at one end(rear/tail) and leave the queue from the other end ( front/end).</a:t>
             </a:r>
           </a:p>
           <a:p>
@@ -3613,11 +3610,7 @@
             </a:r>
             <a:r>
               <a:rPr lang="en-US" dirty="0" smtClean="0"/>
-              <a:t>, </a:t>
-            </a:r>
-            <a:r>
-              <a:rPr lang="en-US" dirty="0" smtClean="0"/>
-              <a:t>which adds an element to the rear/tail of the collection</a:t>
+              <a:t>, which adds an element to the rear/tail of the collection</a:t>
             </a:r>
           </a:p>
           <a:p>
@@ -3987,25 +3980,6 @@
       </p:grpSpPr>
       <p:sp>
         <p:nvSpPr>
-          <p:cNvPr id="8" name="Title 7"/>
-          <p:cNvSpPr>
-            <a:spLocks noGrp="1"/>
-          </p:cNvSpPr>
-          <p:nvPr>
-            <p:ph type="title"/>
-          </p:nvPr>
-        </p:nvSpPr>
-        <p:spPr/>
-        <p:txBody>
-          <a:bodyPr/>
-          <a:lstStyle/>
-          <a:p>
-            <a:endParaRPr lang="en-US"/>
-          </a:p>
-        </p:txBody>
-      </p:sp>
-      <p:sp>
-        <p:nvSpPr>
           <p:cNvPr id="9" name="Content Placeholder 8"/>
           <p:cNvSpPr>
             <a:spLocks noGrp="1"/>
@@ -4014,10 +3988,82 @@
             <p:ph idx="1"/>
           </p:nvPr>
         </p:nvSpPr>
-        <p:spPr/>
-        <p:txBody>
-          <a:bodyPr/>
-          <a:lstStyle/>
+        <p:spPr>
+          <a:xfrm>
+            <a:off x="838200" y="467833"/>
+            <a:ext cx="10515600" cy="5709130"/>
+          </a:xfrm>
+        </p:spPr>
+        <p:txBody>
+          <a:bodyPr>
+            <a:normAutofit fontScale="92500" lnSpcReduction="10000"/>
+          </a:bodyPr>
+          <a:lstStyle/>
+          <a:p>
+            <a:r>
+              <a:rPr lang="en-US" dirty="0" smtClean="0"/>
+              <a:t>The size of the queue is fixed and a single block of memory is used as if the first element is connected to the last element.</a:t>
+            </a:r>
+          </a:p>
+          <a:p>
+            <a:r>
+              <a:rPr lang="en-US" dirty="0" smtClean="0"/>
+              <a:t>Also referred to as circular buffer or ring buffer and follows  the FIFO principle</a:t>
+            </a:r>
+          </a:p>
+          <a:p>
+            <a:r>
+              <a:rPr lang="en-US" dirty="0" smtClean="0"/>
+              <a:t>A circular queue will reuse the empty block created during the dequeuer operation </a:t>
+            </a:r>
+          </a:p>
+          <a:p>
+            <a:r>
+              <a:rPr lang="en-US" dirty="0" smtClean="0"/>
+              <a:t>when working with queues of fixed maximum size, a circular queue is a great implementation choice</a:t>
+            </a:r>
+          </a:p>
+          <a:p>
+            <a:endParaRPr lang="en-US" dirty="0"/>
+          </a:p>
+          <a:p>
+            <a:r>
+              <a:rPr lang="en-US" dirty="0" smtClean="0"/>
+              <a:t>The circular queue data structure supports two main operations</a:t>
+            </a:r>
+          </a:p>
+          <a:p>
+            <a:r>
+              <a:rPr lang="en-US" dirty="0" err="1" smtClean="0"/>
+              <a:t>Enqueue</a:t>
+            </a:r>
+            <a:r>
+              <a:rPr lang="en-US" dirty="0" smtClean="0"/>
+              <a:t>, which adds an element to rear/tail of the collection</a:t>
+            </a:r>
+          </a:p>
+          <a:p>
+            <a:r>
+              <a:rPr lang="en-US" dirty="0" err="1" smtClean="0"/>
+              <a:t>Dequeue</a:t>
+            </a:r>
+            <a:r>
+              <a:rPr lang="en-US" dirty="0" smtClean="0"/>
+              <a:t>, which removes an element from the front/head of the collection.</a:t>
+            </a:r>
+          </a:p>
+          <a:p>
+            <a:r>
+              <a:rPr lang="en-US" dirty="0" smtClean="0"/>
+              <a:t>Circular Queue usage – Clock, streaming data, traffic lights.</a:t>
+            </a:r>
+          </a:p>
+          <a:p>
+            <a:endParaRPr lang="en-US" dirty="0" smtClean="0"/>
+          </a:p>
+          <a:p>
+            <a:endParaRPr lang="en-US" dirty="0" smtClean="0"/>
+          </a:p>
           <a:p>
             <a:endParaRPr lang="en-US" dirty="0"/>
           </a:p>
@@ -4044,7 +4090,7 @@
                   <a:schemeClr val="tx1"/>
                 </a:solidFill>
               </a:rPr>
-              <a:t>Queues</a:t>
+              <a:t> Circular Queues</a:t>
             </a:r>
             <a:endParaRPr lang="en-US" b="1" dirty="0">
               <a:solidFill>
@@ -4058,6 +4104,226 @@
     <p:extLst>
       <p:ext uri="{BB962C8B-B14F-4D97-AF65-F5344CB8AC3E}">
         <p14:creationId xmlns:p14="http://schemas.microsoft.com/office/powerpoint/2010/main" val="3251073817"/>
+      </p:ext>
+    </p:extLst>
+  </p:cSld>
+  <p:clrMapOvr>
+    <a:masterClrMapping/>
+  </p:clrMapOvr>
+</p:sld>
+</file>
+
+<file path=ppt/slides/slide4.xml><?xml version="1.0" encoding="utf-8"?>
+<p:sld xmlns:a="http://schemas.openxmlformats.org/drawingml/2006/main" xmlns:r="http://schemas.openxmlformats.org/officeDocument/2006/relationships" xmlns:p="http://schemas.openxmlformats.org/presentationml/2006/main">
+  <p:cSld>
+    <p:spTree>
+      <p:nvGrpSpPr>
+        <p:cNvPr id="1" name=""/>
+        <p:cNvGrpSpPr/>
+        <p:nvPr/>
+      </p:nvGrpSpPr>
+      <p:grpSpPr>
+        <a:xfrm>
+          <a:off x="0" y="0"/>
+          <a:ext cx="0" cy="0"/>
+          <a:chOff x="0" y="0"/>
+          <a:chExt cx="0" cy="0"/>
+        </a:xfrm>
+      </p:grpSpPr>
+      <p:sp>
+        <p:nvSpPr>
+          <p:cNvPr id="5" name="Footer Placeholder 4"/>
+          <p:cNvSpPr>
+            <a:spLocks noGrp="1"/>
+          </p:cNvSpPr>
+          <p:nvPr>
+            <p:ph type="ftr" sz="quarter" idx="11"/>
+          </p:nvPr>
+        </p:nvSpPr>
+        <p:spPr/>
+        <p:txBody>
+          <a:bodyPr/>
+          <a:lstStyle/>
+          <a:p>
+            <a:r>
+              <a:rPr lang="en-US" b="1" dirty="0" smtClean="0">
+                <a:solidFill>
+                  <a:schemeClr val="tx1"/>
+                </a:solidFill>
+              </a:rPr>
+              <a:t> Circular Queues</a:t>
+            </a:r>
+            <a:endParaRPr lang="en-US" b="1" dirty="0">
+              <a:solidFill>
+                <a:schemeClr val="tx1"/>
+              </a:solidFill>
+            </a:endParaRPr>
+          </a:p>
+        </p:txBody>
+      </p:sp>
+      <p:pic>
+        <p:nvPicPr>
+          <p:cNvPr id="3" name="Picture 2"/>
+          <p:cNvPicPr>
+            <a:picLocks noChangeAspect="1"/>
+          </p:cNvPicPr>
+          <p:nvPr/>
+        </p:nvPicPr>
+        <p:blipFill>
+          <a:blip r:embed="rId2"/>
+          <a:stretch>
+            <a:fillRect/>
+          </a:stretch>
+        </p:blipFill>
+        <p:spPr>
+          <a:xfrm>
+            <a:off x="281374" y="3444949"/>
+            <a:ext cx="5609062" cy="2911401"/>
+          </a:xfrm>
+          <a:prstGeom prst="rect">
+            <a:avLst/>
+          </a:prstGeom>
+        </p:spPr>
+      </p:pic>
+      <p:pic>
+        <p:nvPicPr>
+          <p:cNvPr id="4" name="Picture 3"/>
+          <p:cNvPicPr>
+            <a:picLocks noChangeAspect="1"/>
+          </p:cNvPicPr>
+          <p:nvPr/>
+        </p:nvPicPr>
+        <p:blipFill>
+          <a:blip r:embed="rId3"/>
+          <a:stretch>
+            <a:fillRect/>
+          </a:stretch>
+        </p:blipFill>
+        <p:spPr>
+          <a:xfrm>
+            <a:off x="6096000" y="3444949"/>
+            <a:ext cx="5679946" cy="2821707"/>
+          </a:xfrm>
+          <a:prstGeom prst="rect">
+            <a:avLst/>
+          </a:prstGeom>
+        </p:spPr>
+      </p:pic>
+      <p:sp>
+        <p:nvSpPr>
+          <p:cNvPr id="6" name="Rectangle 5"/>
+          <p:cNvSpPr/>
+          <p:nvPr/>
+        </p:nvSpPr>
+        <p:spPr>
+          <a:xfrm>
+            <a:off x="838200" y="492076"/>
+            <a:ext cx="6096000" cy="2585323"/>
+          </a:xfrm>
+          <a:prstGeom prst="rect">
+            <a:avLst/>
+          </a:prstGeom>
+        </p:spPr>
+        <p:txBody>
+          <a:bodyPr>
+            <a:spAutoFit/>
+          </a:bodyPr>
+          <a:lstStyle/>
+          <a:p>
+            <a:r>
+              <a:rPr lang="en-US" dirty="0"/>
+              <a:t>Queue Implementation</a:t>
+            </a:r>
+          </a:p>
+          <a:p>
+            <a:r>
+              <a:rPr lang="en-US" dirty="0" err="1"/>
+              <a:t>Enqueue</a:t>
+            </a:r>
+            <a:r>
+              <a:rPr lang="en-US" dirty="0"/>
+              <a:t> (element) =- add an element to the queue</a:t>
+            </a:r>
+          </a:p>
+          <a:p>
+            <a:r>
+              <a:rPr lang="en-US" dirty="0" err="1"/>
+              <a:t>Dequeue</a:t>
+            </a:r>
+            <a:r>
+              <a:rPr lang="en-US" dirty="0"/>
+              <a:t> () – remove the oldest element from the </a:t>
+            </a:r>
+            <a:r>
+              <a:rPr lang="en-US" dirty="0" smtClean="0"/>
+              <a:t>queue</a:t>
+            </a:r>
+          </a:p>
+          <a:p>
+            <a:r>
+              <a:rPr lang="en-US" dirty="0" err="1" smtClean="0"/>
+              <a:t>isFull</a:t>
+            </a:r>
+            <a:r>
+              <a:rPr lang="en-US" dirty="0" smtClean="0"/>
+              <a:t>()- check if the queue is full</a:t>
+            </a:r>
+          </a:p>
+          <a:p>
+            <a:r>
+              <a:rPr lang="en-US" dirty="0" err="1"/>
+              <a:t>isEmpty</a:t>
+            </a:r>
+            <a:r>
+              <a:rPr lang="en-US" dirty="0"/>
+              <a:t>() -  check if the queue is </a:t>
+            </a:r>
+            <a:r>
+              <a:rPr lang="en-US" dirty="0" smtClean="0"/>
+              <a:t>empty</a:t>
+            </a:r>
+          </a:p>
+          <a:p>
+            <a:r>
+              <a:rPr lang="en-US" dirty="0" smtClean="0"/>
+              <a:t>Peek</a:t>
+            </a:r>
+            <a:r>
+              <a:rPr lang="en-US" dirty="0"/>
+              <a:t>()- get  the value of the element  at the front of the </a:t>
+            </a:r>
+            <a:r>
+              <a:rPr lang="en-US" dirty="0" smtClean="0"/>
+              <a:t>queue </a:t>
+            </a:r>
+            <a:r>
+              <a:rPr lang="en-US" dirty="0"/>
+              <a:t>without removing it</a:t>
+            </a:r>
+          </a:p>
+          <a:p>
+            <a:r>
+              <a:rPr lang="en-US" dirty="0" smtClean="0"/>
+              <a:t>Size</a:t>
+            </a:r>
+            <a:r>
+              <a:rPr lang="en-US" dirty="0"/>
+              <a:t>() – get the number of elements in the queue</a:t>
+            </a:r>
+          </a:p>
+          <a:p>
+            <a:r>
+              <a:rPr lang="en-US" dirty="0"/>
+              <a:t>Print() – visualize the elements in the queue</a:t>
+            </a:r>
+            <a:endParaRPr lang="en-US" dirty="0"/>
+          </a:p>
+        </p:txBody>
+      </p:sp>
+    </p:spTree>
+    <p:extLst>
+      <p:ext uri="{BB962C8B-B14F-4D97-AF65-F5344CB8AC3E}">
+        <p14:creationId xmlns:p14="http://schemas.microsoft.com/office/powerpoint/2010/main" val="3458725583"/>
       </p:ext>
     </p:extLst>
   </p:cSld>
